--- a/Presentations/Bias in miRNA enrichment analysis related to gene.pptx
+++ b/Presentations/Bias in miRNA enrichment analysis related to gene.pptx
@@ -224,7 +224,7 @@
           <a:p>
             <a:fld id="{C452ADB1-275D-430A-89EE-5C7E6CFF6FF2}" type="datetimeFigureOut">
               <a:rPr lang="en-US" smtClean="0"/>
-              <a:t>6/1/2023</a:t>
+              <a:t>6/6/2023</a:t>
             </a:fld>
             <a:endParaRPr lang="en-US" dirty="0"/>
           </a:p>
@@ -9284,7 +9284,7 @@
           <a:p>
             <a:fld id="{7005E26E-BCB2-4FD5-8FD5-81A5EAE94C21}" type="datetime1">
               <a:rPr lang="en-US" smtClean="0"/>
-              <a:t>6/1/2023</a:t>
+              <a:t>6/6/2023</a:t>
             </a:fld>
             <a:endParaRPr lang="en-US" dirty="0"/>
           </a:p>
@@ -9486,7 +9486,7 @@
           <a:p>
             <a:fld id="{9CC2E9B8-0487-42E4-B571-744A3D775783}" type="datetime1">
               <a:rPr lang="en-US" smtClean="0"/>
-              <a:t>6/1/2023</a:t>
+              <a:t>6/6/2023</a:t>
             </a:fld>
             <a:endParaRPr lang="en-US" dirty="0"/>
           </a:p>
@@ -9661,7 +9661,7 @@
           <a:p>
             <a:fld id="{9052E32D-1E84-43FD-8158-FFFE757EB0E8}" type="datetime1">
               <a:rPr lang="en-US" smtClean="0"/>
-              <a:t>6/1/2023</a:t>
+              <a:t>6/6/2023</a:t>
             </a:fld>
             <a:endParaRPr lang="en-US" dirty="0"/>
           </a:p>
@@ -9861,7 +9861,7 @@
           <a:p>
             <a:fld id="{8585C470-CD19-455C-B830-6D252EAD7FE5}" type="datetime1">
               <a:rPr lang="en-US" smtClean="0"/>
-              <a:t>6/1/2023</a:t>
+              <a:t>6/6/2023</a:t>
             </a:fld>
             <a:endParaRPr lang="en-US" dirty="0"/>
           </a:p>
@@ -18754,7 +18754,7 @@
           <a:p>
             <a:fld id="{7F85C43C-50D9-4F49-A136-0EFF292F93ED}" type="datetime1">
               <a:rPr lang="en-US" smtClean="0"/>
-              <a:t>6/1/2023</a:t>
+              <a:t>6/6/2023</a:t>
             </a:fld>
             <a:endParaRPr lang="en-US" dirty="0"/>
           </a:p>
@@ -19023,7 +19023,7 @@
           <a:p>
             <a:fld id="{7B53B1A3-0AEF-4064-A724-D27D660C8653}" type="datetime1">
               <a:rPr lang="en-US" smtClean="0"/>
-              <a:t>6/1/2023</a:t>
+              <a:t>6/6/2023</a:t>
             </a:fld>
             <a:endParaRPr lang="en-US" dirty="0"/>
           </a:p>
@@ -19416,7 +19416,7 @@
           <a:p>
             <a:fld id="{37D5D0F2-BF66-4A24-9384-A0129B196518}" type="datetime1">
               <a:rPr lang="en-US" smtClean="0"/>
-              <a:t>6/1/2023</a:t>
+              <a:t>6/6/2023</a:t>
             </a:fld>
             <a:endParaRPr lang="en-US" dirty="0"/>
           </a:p>
@@ -19529,7 +19529,7 @@
           <a:p>
             <a:fld id="{8C318A6C-4F6B-48D2-BDB0-D7413B3FDB0A}" type="datetime1">
               <a:rPr lang="en-US" smtClean="0"/>
-              <a:t>6/1/2023</a:t>
+              <a:t>6/6/2023</a:t>
             </a:fld>
             <a:endParaRPr lang="en-US" dirty="0"/>
           </a:p>
@@ -19619,7 +19619,7 @@
           <a:p>
             <a:fld id="{BF01ECED-6ECE-4989-B917-9D4D7E6D3C76}" type="datetime1">
               <a:rPr lang="en-US" smtClean="0"/>
-              <a:t>6/1/2023</a:t>
+              <a:t>6/6/2023</a:t>
             </a:fld>
             <a:endParaRPr lang="en-US" dirty="0"/>
           </a:p>
@@ -19904,7 +19904,7 @@
           <a:p>
             <a:fld id="{E3B570E1-CB40-488E-8C6F-EF4211DFFCB0}" type="datetime1">
               <a:rPr lang="en-US" smtClean="0"/>
-              <a:t>6/1/2023</a:t>
+              <a:t>6/6/2023</a:t>
             </a:fld>
             <a:endParaRPr lang="en-US" dirty="0"/>
           </a:p>
@@ -20179,7 +20179,7 @@
           <a:p>
             <a:fld id="{D1CEB6AF-9F5C-43BE-879E-CB9514111250}" type="datetime1">
               <a:rPr lang="en-US" smtClean="0"/>
-              <a:t>6/1/2023</a:t>
+              <a:t>6/6/2023</a:t>
             </a:fld>
             <a:endParaRPr lang="en-US" dirty="0"/>
           </a:p>
@@ -20424,7 +20424,7 @@
           <a:p>
             <a:fld id="{E7EE424C-FCA3-4EDD-B274-8E055D649B7D}" type="datetime1">
               <a:rPr lang="en-US" smtClean="0"/>
-              <a:t>6/1/2023</a:t>
+              <a:t>6/6/2023</a:t>
             </a:fld>
             <a:endParaRPr lang="en-US" dirty="0"/>
           </a:p>
@@ -21163,7 +21163,7 @@
                   <a:srgbClr val="FFFFFF"/>
                 </a:solidFill>
               </a:rPr>
-              <a:t>Sit Dolor Amet</a:t>
+              <a:t>Karen Guerrero Vazquez Journal Club June 2023</a:t>
             </a:r>
           </a:p>
         </p:txBody>
@@ -21230,6 +21230,75 @@
   <p:clrMapOvr>
     <a:masterClrMapping/>
   </p:clrMapOvr>
+  <p:timing>
+    <p:tnLst>
+      <p:par>
+        <p:cTn id="1" dur="indefinite" restart="never" nodeType="tmRoot">
+          <p:childTnLst>
+            <p:seq concurrent="1" nextAc="seek">
+              <p:cTn id="2" dur="indefinite" nodeType="mainSeq">
+                <p:childTnLst>
+                  <p:par>
+                    <p:cTn id="3" fill="hold">
+                      <p:stCondLst>
+                        <p:cond delay="indefinite"/>
+                        <p:cond evt="onBegin" delay="0">
+                          <p:tn val="2"/>
+                        </p:cond>
+                      </p:stCondLst>
+                      <p:childTnLst>
+                        <p:par>
+                          <p:cTn id="4" fill="hold">
+                            <p:stCondLst>
+                              <p:cond delay="0"/>
+                            </p:stCondLst>
+                            <p:childTnLst>
+                              <p:par>
+                                <p:cTn id="5" presetID="6" presetClass="emph" presetSubtype="0" autoRev="1" fill="hold" nodeType="withEffect">
+                                  <p:stCondLst>
+                                    <p:cond delay="0"/>
+                                  </p:stCondLst>
+                                  <p:childTnLst>
+                                    <p:animScale>
+                                      <p:cBhvr>
+                                        <p:cTn id="6" dur="20000" fill="hold"/>
+                                        <p:tgtEl>
+                                          <p:spTgt spid="5"/>
+                                        </p:tgtEl>
+                                      </p:cBhvr>
+                                      <p:by x="150000" y="150000"/>
+                                    </p:animScale>
+                                  </p:childTnLst>
+                                </p:cTn>
+                              </p:par>
+                            </p:childTnLst>
+                          </p:cTn>
+                        </p:par>
+                      </p:childTnLst>
+                    </p:cTn>
+                  </p:par>
+                </p:childTnLst>
+              </p:cTn>
+              <p:prevCondLst>
+                <p:cond evt="onPrev" delay="0">
+                  <p:tgtEl>
+                    <p:sldTgt/>
+                  </p:tgtEl>
+                </p:cond>
+              </p:prevCondLst>
+              <p:nextCondLst>
+                <p:cond evt="onNext" delay="0">
+                  <p:tgtEl>
+                    <p:sldTgt/>
+                  </p:tgtEl>
+                </p:cond>
+              </p:nextCondLst>
+            </p:seq>
+          </p:childTnLst>
+        </p:cTn>
+      </p:par>
+    </p:tnLst>
+  </p:timing>
 </p:sld>
 </file>
 
@@ -23474,6 +23543,9 @@
   <p:clrMapOvr>
     <a:masterClrMapping/>
   </p:clrMapOvr>
+  <p:transition spd="slow">
+    <p:randomBar dir="vert"/>
+  </p:transition>
 </p:sld>
 </file>
 
@@ -25720,6 +25792,9 @@
   <p:clrMapOvr>
     <a:masterClrMapping/>
   </p:clrMapOvr>
+  <p:transition spd="med">
+    <p:pull/>
+  </p:transition>
 </p:sld>
 </file>
 
@@ -26033,6 +26108,9 @@
   <p:clrMapOvr>
     <a:masterClrMapping/>
   </p:clrMapOvr>
+  <p:transition spd="med">
+    <p:pull dir="r"/>
+  </p:transition>
 </p:sld>
 </file>
 
@@ -26261,6 +26339,18 @@
   <p:clrMapOvr>
     <a:masterClrMapping/>
   </p:clrMapOvr>
+  <mc:AlternateContent xmlns:mc="http://schemas.openxmlformats.org/markup-compatibility/2006">
+    <mc:Choice xmlns:p15="http://schemas.microsoft.com/office/powerpoint/2012/main" Requires="p15">
+      <p:transition xmlns:p14="http://schemas.microsoft.com/office/powerpoint/2010/main" spd="slow" p14:dur="2000">
+        <p15:prstTrans prst="crush"/>
+      </p:transition>
+    </mc:Choice>
+    <mc:Fallback>
+      <p:transition spd="slow">
+        <p:fade/>
+      </p:transition>
+    </mc:Fallback>
+  </mc:AlternateContent>
 </p:sld>
 </file>
 
@@ -26634,6 +26724,18 @@
   <p:clrMapOvr>
     <a:masterClrMapping/>
   </p:clrMapOvr>
+  <mc:AlternateContent xmlns:mc="http://schemas.openxmlformats.org/markup-compatibility/2006">
+    <mc:Choice xmlns:p15="http://schemas.microsoft.com/office/powerpoint/2012/main" Requires="p15">
+      <p:transition xmlns:p14="http://schemas.microsoft.com/office/powerpoint/2010/main" spd="slow" p14:dur="1250">
+        <p15:prstTrans prst="peelOff"/>
+      </p:transition>
+    </mc:Choice>
+    <mc:Fallback>
+      <p:transition spd="slow">
+        <p:fade/>
+      </p:transition>
+    </mc:Fallback>
+  </mc:AlternateContent>
 </p:sld>
 </file>
 
@@ -27565,20 +27667,20 @@
 </file>
 
 <file path=customXml/item1.xml><?xml version="1.0" encoding="utf-8"?>
-<p:properties xmlns:p="http://schemas.microsoft.com/office/2006/metadata/properties" xmlns:xsi="http://www.w3.org/2001/XMLSchema-instance" xmlns:pc="http://schemas.microsoft.com/office/infopath/2007/PartnerControls">
-  <documentManagement>
-    <MediaServiceKeyPoints xmlns="71af3243-3dd4-4a8d-8c0d-dd76da1f02a5" xsi:nil="true"/>
-  </documentManagement>
-</p:properties>
-</file>
-
-<file path=customXml/item2.xml><?xml version="1.0" encoding="utf-8"?>
 <?mso-contentType ?>
 <FormTemplates xmlns="http://schemas.microsoft.com/sharepoint/v3/contenttype/forms">
   <Display>DocumentLibraryForm</Display>
   <Edit>DocumentLibraryForm</Edit>
   <New>DocumentLibraryForm</New>
 </FormTemplates>
+</file>
+
+<file path=customXml/item2.xml><?xml version="1.0" encoding="utf-8"?>
+<p:properties xmlns:p="http://schemas.microsoft.com/office/2006/metadata/properties" xmlns:xsi="http://www.w3.org/2001/XMLSchema-instance" xmlns:pc="http://schemas.microsoft.com/office/infopath/2007/PartnerControls">
+  <documentManagement>
+    <MediaServiceKeyPoints xmlns="71af3243-3dd4-4a8d-8c0d-dd76da1f02a5" xsi:nil="true"/>
+  </documentManagement>
+</p:properties>
 </file>
 
 <file path=customXml/item3.xml><?xml version="1.0" encoding="utf-8"?>
@@ -27793,19 +27895,19 @@
 </file>
 
 <file path=customXml/itemProps1.xml><?xml version="1.0" encoding="utf-8"?>
+<ds:datastoreItem xmlns:ds="http://schemas.openxmlformats.org/officeDocument/2006/customXml" ds:itemID="{4F44C90D-2A62-4985-9618-3460247437B1}">
+  <ds:schemaRefs>
+    <ds:schemaRef ds:uri="http://schemas.microsoft.com/sharepoint/v3/contenttype/forms"/>
+  </ds:schemaRefs>
+</ds:datastoreItem>
+</file>
+
+<file path=customXml/itemProps2.xml><?xml version="1.0" encoding="utf-8"?>
 <ds:datastoreItem xmlns:ds="http://schemas.openxmlformats.org/officeDocument/2006/customXml" ds:itemID="{788A2F88-55C5-4ED1-9541-807C65424763}">
   <ds:schemaRefs>
     <ds:schemaRef ds:uri="http://schemas.microsoft.com/office/2006/metadata/properties"/>
     <ds:schemaRef ds:uri="http://schemas.microsoft.com/office/infopath/2007/PartnerControls"/>
     <ds:schemaRef ds:uri="71af3243-3dd4-4a8d-8c0d-dd76da1f02a5"/>
-  </ds:schemaRefs>
-</ds:datastoreItem>
-</file>
-
-<file path=customXml/itemProps2.xml><?xml version="1.0" encoding="utf-8"?>
-<ds:datastoreItem xmlns:ds="http://schemas.openxmlformats.org/officeDocument/2006/customXml" ds:itemID="{4F44C90D-2A62-4985-9618-3460247437B1}">
-  <ds:schemaRefs>
-    <ds:schemaRef ds:uri="http://schemas.microsoft.com/sharepoint/v3/contenttype/forms"/>
   </ds:schemaRefs>
 </ds:datastoreItem>
 </file>
